--- a/ppt 16-9/0741.求主开我眼睛.pptx
+++ b/ppt 16-9/0741.求主开我眼睛.pptx
@@ -129,7 +129,7 @@
           <p:cNvPr id="2" name="标题 1">
             <a:extLst>
               <a:ext uri="{FF2B5EF4-FFF2-40B4-BE49-F238E27FC236}">
-                <a16:creationId xmlns:a16="http://schemas.microsoft.com/office/drawing/2014/main" id="{F50BC8D1-9E9D-B839-DC42-5A5706C1EA2F}"/>
+                <a16:creationId xmlns:a16="http://schemas.microsoft.com/office/drawing/2014/main" id="{5285AA2D-1AF6-5E60-EAEA-320752D19D04}"/>
               </a:ext>
             </a:extLst>
           </p:cNvPr>
@@ -166,7 +166,7 @@
           <p:cNvPr id="3" name="副标题 2">
             <a:extLst>
               <a:ext uri="{FF2B5EF4-FFF2-40B4-BE49-F238E27FC236}">
-                <a16:creationId xmlns:a16="http://schemas.microsoft.com/office/drawing/2014/main" id="{1E57A60E-7050-8A88-9624-A3667E0DF3B6}"/>
+                <a16:creationId xmlns:a16="http://schemas.microsoft.com/office/drawing/2014/main" id="{BB758325-DA7B-BCA2-31FE-38E25D94E7DB}"/>
               </a:ext>
             </a:extLst>
           </p:cNvPr>
@@ -236,7 +236,7 @@
           <p:cNvPr id="4" name="日期占位符 3">
             <a:extLst>
               <a:ext uri="{FF2B5EF4-FFF2-40B4-BE49-F238E27FC236}">
-                <a16:creationId xmlns:a16="http://schemas.microsoft.com/office/drawing/2014/main" id="{83FE8411-77A9-068E-1915-E484C51469D1}"/>
+                <a16:creationId xmlns:a16="http://schemas.microsoft.com/office/drawing/2014/main" id="{C0D5EC3D-73D9-7EB0-91E6-B342316E3B89}"/>
               </a:ext>
             </a:extLst>
           </p:cNvPr>
@@ -252,7 +252,7 @@
           <a:bodyPr/>
           <a:lstStyle/>
           <a:p>
-            <a:fld id="{E741313B-B851-4F45-A8E0-A8207718169F}" type="datetimeFigureOut">
+            <a:fld id="{E738BAFF-75BD-4346-983C-CF00D9644D0F}" type="datetimeFigureOut">
               <a:rPr lang="zh-CN" altLang="en-US" smtClean="0"/>
               <a:t>2024/3/10</a:t>
             </a:fld>
@@ -265,7 +265,7 @@
           <p:cNvPr id="5" name="页脚占位符 4">
             <a:extLst>
               <a:ext uri="{FF2B5EF4-FFF2-40B4-BE49-F238E27FC236}">
-                <a16:creationId xmlns:a16="http://schemas.microsoft.com/office/drawing/2014/main" id="{CF1C7A7C-C1F0-3455-B2E7-01BD408B6C5A}"/>
+                <a16:creationId xmlns:a16="http://schemas.microsoft.com/office/drawing/2014/main" id="{27EB87A6-3AB5-8123-C3DD-93ACFD84A84C}"/>
               </a:ext>
             </a:extLst>
           </p:cNvPr>
@@ -290,7 +290,7 @@
           <p:cNvPr id="6" name="灯片编号占位符 5">
             <a:extLst>
               <a:ext uri="{FF2B5EF4-FFF2-40B4-BE49-F238E27FC236}">
-                <a16:creationId xmlns:a16="http://schemas.microsoft.com/office/drawing/2014/main" id="{B4DEF428-867A-3B28-87CC-242F263A7C83}"/>
+                <a16:creationId xmlns:a16="http://schemas.microsoft.com/office/drawing/2014/main" id="{6FB35D16-F53F-7391-6210-C6C0A443C9BA}"/>
               </a:ext>
             </a:extLst>
           </p:cNvPr>
@@ -306,7 +306,7 @@
           <a:bodyPr/>
           <a:lstStyle/>
           <a:p>
-            <a:fld id="{7CBE83AB-CC21-4030-8BF0-479816E52733}" type="slidenum">
+            <a:fld id="{077527C0-9782-48C9-BA11-37132430BF9A}" type="slidenum">
               <a:rPr lang="zh-CN" altLang="en-US" smtClean="0"/>
               <a:t>‹#›</a:t>
             </a:fld>
@@ -317,7 +317,7 @@
     </p:spTree>
     <p:extLst>
       <p:ext uri="{BB962C8B-B14F-4D97-AF65-F5344CB8AC3E}">
-        <p14:creationId xmlns:p14="http://schemas.microsoft.com/office/powerpoint/2010/main" val="54906194"/>
+        <p14:creationId xmlns:p14="http://schemas.microsoft.com/office/powerpoint/2010/main" val="3425761717"/>
       </p:ext>
     </p:extLst>
   </p:cSld>
@@ -349,7 +349,7 @@
           <p:cNvPr id="2" name="标题 1">
             <a:extLst>
               <a:ext uri="{FF2B5EF4-FFF2-40B4-BE49-F238E27FC236}">
-                <a16:creationId xmlns:a16="http://schemas.microsoft.com/office/drawing/2014/main" id="{A3CC4C29-2061-1C40-463C-10D00A714E62}"/>
+                <a16:creationId xmlns:a16="http://schemas.microsoft.com/office/drawing/2014/main" id="{AA2554E8-8451-E8B6-7ACC-57E3373B98E9}"/>
               </a:ext>
             </a:extLst>
           </p:cNvPr>
@@ -377,7 +377,7 @@
           <p:cNvPr id="3" name="竖排文字占位符 2">
             <a:extLst>
               <a:ext uri="{FF2B5EF4-FFF2-40B4-BE49-F238E27FC236}">
-                <a16:creationId xmlns:a16="http://schemas.microsoft.com/office/drawing/2014/main" id="{2F765C8A-417A-915D-7297-D0B088860713}"/>
+                <a16:creationId xmlns:a16="http://schemas.microsoft.com/office/drawing/2014/main" id="{BFC554C8-A0DC-9946-6BD9-96784CD9CC6F}"/>
               </a:ext>
             </a:extLst>
           </p:cNvPr>
@@ -434,7 +434,7 @@
           <p:cNvPr id="4" name="日期占位符 3">
             <a:extLst>
               <a:ext uri="{FF2B5EF4-FFF2-40B4-BE49-F238E27FC236}">
-                <a16:creationId xmlns:a16="http://schemas.microsoft.com/office/drawing/2014/main" id="{749FBB45-52A7-8D01-A0D3-111EACA93F89}"/>
+                <a16:creationId xmlns:a16="http://schemas.microsoft.com/office/drawing/2014/main" id="{C088D996-12BA-A0AD-52FB-1B3ECAC00A25}"/>
               </a:ext>
             </a:extLst>
           </p:cNvPr>
@@ -450,7 +450,7 @@
           <a:bodyPr/>
           <a:lstStyle/>
           <a:p>
-            <a:fld id="{E741313B-B851-4F45-A8E0-A8207718169F}" type="datetimeFigureOut">
+            <a:fld id="{E738BAFF-75BD-4346-983C-CF00D9644D0F}" type="datetimeFigureOut">
               <a:rPr lang="zh-CN" altLang="en-US" smtClean="0"/>
               <a:t>2024/3/10</a:t>
             </a:fld>
@@ -463,7 +463,7 @@
           <p:cNvPr id="5" name="页脚占位符 4">
             <a:extLst>
               <a:ext uri="{FF2B5EF4-FFF2-40B4-BE49-F238E27FC236}">
-                <a16:creationId xmlns:a16="http://schemas.microsoft.com/office/drawing/2014/main" id="{8BDE3A81-E3A6-A079-6AC7-F6795FF1E339}"/>
+                <a16:creationId xmlns:a16="http://schemas.microsoft.com/office/drawing/2014/main" id="{D209DD47-89C5-B083-1535-FC7CC11B7BB3}"/>
               </a:ext>
             </a:extLst>
           </p:cNvPr>
@@ -488,7 +488,7 @@
           <p:cNvPr id="6" name="灯片编号占位符 5">
             <a:extLst>
               <a:ext uri="{FF2B5EF4-FFF2-40B4-BE49-F238E27FC236}">
-                <a16:creationId xmlns:a16="http://schemas.microsoft.com/office/drawing/2014/main" id="{4792E7B7-1305-D488-BC85-262C203E748F}"/>
+                <a16:creationId xmlns:a16="http://schemas.microsoft.com/office/drawing/2014/main" id="{1157DB50-4BCC-93D9-3558-CA478C42D177}"/>
               </a:ext>
             </a:extLst>
           </p:cNvPr>
@@ -504,7 +504,7 @@
           <a:bodyPr/>
           <a:lstStyle/>
           <a:p>
-            <a:fld id="{7CBE83AB-CC21-4030-8BF0-479816E52733}" type="slidenum">
+            <a:fld id="{077527C0-9782-48C9-BA11-37132430BF9A}" type="slidenum">
               <a:rPr lang="zh-CN" altLang="en-US" smtClean="0"/>
               <a:t>‹#›</a:t>
             </a:fld>
@@ -515,7 +515,7 @@
     </p:spTree>
     <p:extLst>
       <p:ext uri="{BB962C8B-B14F-4D97-AF65-F5344CB8AC3E}">
-        <p14:creationId xmlns:p14="http://schemas.microsoft.com/office/powerpoint/2010/main" val="3251684793"/>
+        <p14:creationId xmlns:p14="http://schemas.microsoft.com/office/powerpoint/2010/main" val="3877310869"/>
       </p:ext>
     </p:extLst>
   </p:cSld>
@@ -547,7 +547,7 @@
           <p:cNvPr id="2" name="竖排标题 1">
             <a:extLst>
               <a:ext uri="{FF2B5EF4-FFF2-40B4-BE49-F238E27FC236}">
-                <a16:creationId xmlns:a16="http://schemas.microsoft.com/office/drawing/2014/main" id="{12B4365B-F00A-8669-C79D-581D332D85AE}"/>
+                <a16:creationId xmlns:a16="http://schemas.microsoft.com/office/drawing/2014/main" id="{BC1E77D5-8275-94E7-A718-D777D55B43B5}"/>
               </a:ext>
             </a:extLst>
           </p:cNvPr>
@@ -580,7 +580,7 @@
           <p:cNvPr id="3" name="竖排文字占位符 2">
             <a:extLst>
               <a:ext uri="{FF2B5EF4-FFF2-40B4-BE49-F238E27FC236}">
-                <a16:creationId xmlns:a16="http://schemas.microsoft.com/office/drawing/2014/main" id="{8DF68844-7B5C-2A3A-B1C4-3345EA73333C}"/>
+                <a16:creationId xmlns:a16="http://schemas.microsoft.com/office/drawing/2014/main" id="{0D2E868B-0C44-165D-87C0-D67EFD209C7F}"/>
               </a:ext>
             </a:extLst>
           </p:cNvPr>
@@ -642,7 +642,7 @@
           <p:cNvPr id="4" name="日期占位符 3">
             <a:extLst>
               <a:ext uri="{FF2B5EF4-FFF2-40B4-BE49-F238E27FC236}">
-                <a16:creationId xmlns:a16="http://schemas.microsoft.com/office/drawing/2014/main" id="{4F9557D7-3791-704F-BBBB-0C0AFAD3C147}"/>
+                <a16:creationId xmlns:a16="http://schemas.microsoft.com/office/drawing/2014/main" id="{0A090AE4-50CB-9138-72E3-9871AB719832}"/>
               </a:ext>
             </a:extLst>
           </p:cNvPr>
@@ -658,7 +658,7 @@
           <a:bodyPr/>
           <a:lstStyle/>
           <a:p>
-            <a:fld id="{E741313B-B851-4F45-A8E0-A8207718169F}" type="datetimeFigureOut">
+            <a:fld id="{E738BAFF-75BD-4346-983C-CF00D9644D0F}" type="datetimeFigureOut">
               <a:rPr lang="zh-CN" altLang="en-US" smtClean="0"/>
               <a:t>2024/3/10</a:t>
             </a:fld>
@@ -671,7 +671,7 @@
           <p:cNvPr id="5" name="页脚占位符 4">
             <a:extLst>
               <a:ext uri="{FF2B5EF4-FFF2-40B4-BE49-F238E27FC236}">
-                <a16:creationId xmlns:a16="http://schemas.microsoft.com/office/drawing/2014/main" id="{ED65CEEF-785F-F466-B65B-E594A02D5989}"/>
+                <a16:creationId xmlns:a16="http://schemas.microsoft.com/office/drawing/2014/main" id="{7EE7FFD0-65E1-F642-82A3-35A90C623142}"/>
               </a:ext>
             </a:extLst>
           </p:cNvPr>
@@ -696,7 +696,7 @@
           <p:cNvPr id="6" name="灯片编号占位符 5">
             <a:extLst>
               <a:ext uri="{FF2B5EF4-FFF2-40B4-BE49-F238E27FC236}">
-                <a16:creationId xmlns:a16="http://schemas.microsoft.com/office/drawing/2014/main" id="{3F4FB153-4195-7E05-4DFD-4E6581EAA167}"/>
+                <a16:creationId xmlns:a16="http://schemas.microsoft.com/office/drawing/2014/main" id="{5F3DD2D8-A073-0E80-51D6-5CE03211483B}"/>
               </a:ext>
             </a:extLst>
           </p:cNvPr>
@@ -712,7 +712,7 @@
           <a:bodyPr/>
           <a:lstStyle/>
           <a:p>
-            <a:fld id="{7CBE83AB-CC21-4030-8BF0-479816E52733}" type="slidenum">
+            <a:fld id="{077527C0-9782-48C9-BA11-37132430BF9A}" type="slidenum">
               <a:rPr lang="zh-CN" altLang="en-US" smtClean="0"/>
               <a:t>‹#›</a:t>
             </a:fld>
@@ -723,7 +723,7 @@
     </p:spTree>
     <p:extLst>
       <p:ext uri="{BB962C8B-B14F-4D97-AF65-F5344CB8AC3E}">
-        <p14:creationId xmlns:p14="http://schemas.microsoft.com/office/powerpoint/2010/main" val="3080468837"/>
+        <p14:creationId xmlns:p14="http://schemas.microsoft.com/office/powerpoint/2010/main" val="1605061022"/>
       </p:ext>
     </p:extLst>
   </p:cSld>
@@ -755,7 +755,7 @@
           <p:cNvPr id="2" name="标题 1">
             <a:extLst>
               <a:ext uri="{FF2B5EF4-FFF2-40B4-BE49-F238E27FC236}">
-                <a16:creationId xmlns:a16="http://schemas.microsoft.com/office/drawing/2014/main" id="{C6BD7E95-6889-98DA-7811-CA2646188F0B}"/>
+                <a16:creationId xmlns:a16="http://schemas.microsoft.com/office/drawing/2014/main" id="{0581157E-6F6B-4F01-9465-E910792176F8}"/>
               </a:ext>
             </a:extLst>
           </p:cNvPr>
@@ -783,7 +783,7 @@
           <p:cNvPr id="3" name="内容占位符 2">
             <a:extLst>
               <a:ext uri="{FF2B5EF4-FFF2-40B4-BE49-F238E27FC236}">
-                <a16:creationId xmlns:a16="http://schemas.microsoft.com/office/drawing/2014/main" id="{D3488B57-E20C-C43B-C4FE-07365C8EDAE0}"/>
+                <a16:creationId xmlns:a16="http://schemas.microsoft.com/office/drawing/2014/main" id="{DD7A1D60-15EA-8893-1DD0-D2280248D017}"/>
               </a:ext>
             </a:extLst>
           </p:cNvPr>
@@ -840,7 +840,7 @@
           <p:cNvPr id="4" name="日期占位符 3">
             <a:extLst>
               <a:ext uri="{FF2B5EF4-FFF2-40B4-BE49-F238E27FC236}">
-                <a16:creationId xmlns:a16="http://schemas.microsoft.com/office/drawing/2014/main" id="{44893F1D-066B-367E-09F2-58160086BC07}"/>
+                <a16:creationId xmlns:a16="http://schemas.microsoft.com/office/drawing/2014/main" id="{B3C23AF9-240A-F82E-75E7-BB654A0D54ED}"/>
               </a:ext>
             </a:extLst>
           </p:cNvPr>
@@ -856,7 +856,7 @@
           <a:bodyPr/>
           <a:lstStyle/>
           <a:p>
-            <a:fld id="{E741313B-B851-4F45-A8E0-A8207718169F}" type="datetimeFigureOut">
+            <a:fld id="{E738BAFF-75BD-4346-983C-CF00D9644D0F}" type="datetimeFigureOut">
               <a:rPr lang="zh-CN" altLang="en-US" smtClean="0"/>
               <a:t>2024/3/10</a:t>
             </a:fld>
@@ -869,7 +869,7 @@
           <p:cNvPr id="5" name="页脚占位符 4">
             <a:extLst>
               <a:ext uri="{FF2B5EF4-FFF2-40B4-BE49-F238E27FC236}">
-                <a16:creationId xmlns:a16="http://schemas.microsoft.com/office/drawing/2014/main" id="{537030A3-B8C2-FCD7-BB22-53080AB00764}"/>
+                <a16:creationId xmlns:a16="http://schemas.microsoft.com/office/drawing/2014/main" id="{CF7B111B-354C-CD0C-EF09-12DA6B0182A4}"/>
               </a:ext>
             </a:extLst>
           </p:cNvPr>
@@ -894,7 +894,7 @@
           <p:cNvPr id="6" name="灯片编号占位符 5">
             <a:extLst>
               <a:ext uri="{FF2B5EF4-FFF2-40B4-BE49-F238E27FC236}">
-                <a16:creationId xmlns:a16="http://schemas.microsoft.com/office/drawing/2014/main" id="{2374F2A7-058B-E3F4-D5C9-4156902BC25B}"/>
+                <a16:creationId xmlns:a16="http://schemas.microsoft.com/office/drawing/2014/main" id="{6185EA74-0374-26F5-AF43-DEF48E9725CD}"/>
               </a:ext>
             </a:extLst>
           </p:cNvPr>
@@ -910,7 +910,7 @@
           <a:bodyPr/>
           <a:lstStyle/>
           <a:p>
-            <a:fld id="{7CBE83AB-CC21-4030-8BF0-479816E52733}" type="slidenum">
+            <a:fld id="{077527C0-9782-48C9-BA11-37132430BF9A}" type="slidenum">
               <a:rPr lang="zh-CN" altLang="en-US" smtClean="0"/>
               <a:t>‹#›</a:t>
             </a:fld>
@@ -921,7 +921,7 @@
     </p:spTree>
     <p:extLst>
       <p:ext uri="{BB962C8B-B14F-4D97-AF65-F5344CB8AC3E}">
-        <p14:creationId xmlns:p14="http://schemas.microsoft.com/office/powerpoint/2010/main" val="948707712"/>
+        <p14:creationId xmlns:p14="http://schemas.microsoft.com/office/powerpoint/2010/main" val="1258192027"/>
       </p:ext>
     </p:extLst>
   </p:cSld>
@@ -953,7 +953,7 @@
           <p:cNvPr id="2" name="标题 1">
             <a:extLst>
               <a:ext uri="{FF2B5EF4-FFF2-40B4-BE49-F238E27FC236}">
-                <a16:creationId xmlns:a16="http://schemas.microsoft.com/office/drawing/2014/main" id="{57253A71-A2D6-A81B-88FC-926A22DE62AE}"/>
+                <a16:creationId xmlns:a16="http://schemas.microsoft.com/office/drawing/2014/main" id="{127EC00F-4BCA-3C2B-C989-7D7B7826A0EB}"/>
               </a:ext>
             </a:extLst>
           </p:cNvPr>
@@ -990,7 +990,7 @@
           <p:cNvPr id="3" name="文本占位符 2">
             <a:extLst>
               <a:ext uri="{FF2B5EF4-FFF2-40B4-BE49-F238E27FC236}">
-                <a16:creationId xmlns:a16="http://schemas.microsoft.com/office/drawing/2014/main" id="{927052A5-4C42-4BB6-E198-F931B16EC8C0}"/>
+                <a16:creationId xmlns:a16="http://schemas.microsoft.com/office/drawing/2014/main" id="{1ADC5294-208D-01C0-97A8-ECBABD51C0B3}"/>
               </a:ext>
             </a:extLst>
           </p:cNvPr>
@@ -1115,7 +1115,7 @@
           <p:cNvPr id="4" name="日期占位符 3">
             <a:extLst>
               <a:ext uri="{FF2B5EF4-FFF2-40B4-BE49-F238E27FC236}">
-                <a16:creationId xmlns:a16="http://schemas.microsoft.com/office/drawing/2014/main" id="{B5659BE5-0315-0A8F-6233-60A1FD2A8027}"/>
+                <a16:creationId xmlns:a16="http://schemas.microsoft.com/office/drawing/2014/main" id="{ED5D490C-4D4A-56C3-8FAE-5B0C6B330789}"/>
               </a:ext>
             </a:extLst>
           </p:cNvPr>
@@ -1131,7 +1131,7 @@
           <a:bodyPr/>
           <a:lstStyle/>
           <a:p>
-            <a:fld id="{E741313B-B851-4F45-A8E0-A8207718169F}" type="datetimeFigureOut">
+            <a:fld id="{E738BAFF-75BD-4346-983C-CF00D9644D0F}" type="datetimeFigureOut">
               <a:rPr lang="zh-CN" altLang="en-US" smtClean="0"/>
               <a:t>2024/3/10</a:t>
             </a:fld>
@@ -1144,7 +1144,7 @@
           <p:cNvPr id="5" name="页脚占位符 4">
             <a:extLst>
               <a:ext uri="{FF2B5EF4-FFF2-40B4-BE49-F238E27FC236}">
-                <a16:creationId xmlns:a16="http://schemas.microsoft.com/office/drawing/2014/main" id="{0028B581-E330-49B6-D1FE-C532CE8E970E}"/>
+                <a16:creationId xmlns:a16="http://schemas.microsoft.com/office/drawing/2014/main" id="{90650BBF-99B1-9B9D-B599-7F1CB084A4BE}"/>
               </a:ext>
             </a:extLst>
           </p:cNvPr>
@@ -1169,7 +1169,7 @@
           <p:cNvPr id="6" name="灯片编号占位符 5">
             <a:extLst>
               <a:ext uri="{FF2B5EF4-FFF2-40B4-BE49-F238E27FC236}">
-                <a16:creationId xmlns:a16="http://schemas.microsoft.com/office/drawing/2014/main" id="{F5716CA5-6A65-39B1-4DCD-0A146958230E}"/>
+                <a16:creationId xmlns:a16="http://schemas.microsoft.com/office/drawing/2014/main" id="{D35D0C46-4695-5723-FD16-80A26CAC520B}"/>
               </a:ext>
             </a:extLst>
           </p:cNvPr>
@@ -1185,7 +1185,7 @@
           <a:bodyPr/>
           <a:lstStyle/>
           <a:p>
-            <a:fld id="{7CBE83AB-CC21-4030-8BF0-479816E52733}" type="slidenum">
+            <a:fld id="{077527C0-9782-48C9-BA11-37132430BF9A}" type="slidenum">
               <a:rPr lang="zh-CN" altLang="en-US" smtClean="0"/>
               <a:t>‹#›</a:t>
             </a:fld>
@@ -1196,7 +1196,7 @@
     </p:spTree>
     <p:extLst>
       <p:ext uri="{BB962C8B-B14F-4D97-AF65-F5344CB8AC3E}">
-        <p14:creationId xmlns:p14="http://schemas.microsoft.com/office/powerpoint/2010/main" val="830071900"/>
+        <p14:creationId xmlns:p14="http://schemas.microsoft.com/office/powerpoint/2010/main" val="2852361625"/>
       </p:ext>
     </p:extLst>
   </p:cSld>
@@ -1228,7 +1228,7 @@
           <p:cNvPr id="2" name="标题 1">
             <a:extLst>
               <a:ext uri="{FF2B5EF4-FFF2-40B4-BE49-F238E27FC236}">
-                <a16:creationId xmlns:a16="http://schemas.microsoft.com/office/drawing/2014/main" id="{668053B3-3871-6013-2C21-D0B391B44728}"/>
+                <a16:creationId xmlns:a16="http://schemas.microsoft.com/office/drawing/2014/main" id="{5CDC3F18-8CEB-1164-41BD-E74659783C15}"/>
               </a:ext>
             </a:extLst>
           </p:cNvPr>
@@ -1256,7 +1256,7 @@
           <p:cNvPr id="3" name="内容占位符 2">
             <a:extLst>
               <a:ext uri="{FF2B5EF4-FFF2-40B4-BE49-F238E27FC236}">
-                <a16:creationId xmlns:a16="http://schemas.microsoft.com/office/drawing/2014/main" id="{0324B030-CD01-0311-645E-979549FB7B1B}"/>
+                <a16:creationId xmlns:a16="http://schemas.microsoft.com/office/drawing/2014/main" id="{30D869C9-553A-E315-7E3C-35B7A3A6DB42}"/>
               </a:ext>
             </a:extLst>
           </p:cNvPr>
@@ -1318,7 +1318,7 @@
           <p:cNvPr id="4" name="内容占位符 3">
             <a:extLst>
               <a:ext uri="{FF2B5EF4-FFF2-40B4-BE49-F238E27FC236}">
-                <a16:creationId xmlns:a16="http://schemas.microsoft.com/office/drawing/2014/main" id="{EB8389DA-016A-6CED-8841-CF43ADF06795}"/>
+                <a16:creationId xmlns:a16="http://schemas.microsoft.com/office/drawing/2014/main" id="{6BA482D8-816A-D610-BB5E-9710720B8DCA}"/>
               </a:ext>
             </a:extLst>
           </p:cNvPr>
@@ -1380,7 +1380,7 @@
           <p:cNvPr id="5" name="日期占位符 4">
             <a:extLst>
               <a:ext uri="{FF2B5EF4-FFF2-40B4-BE49-F238E27FC236}">
-                <a16:creationId xmlns:a16="http://schemas.microsoft.com/office/drawing/2014/main" id="{B8D7094D-4C0C-72D9-B708-CF5436A8BDA7}"/>
+                <a16:creationId xmlns:a16="http://schemas.microsoft.com/office/drawing/2014/main" id="{89373722-3F72-C738-9A61-C0899CEA9583}"/>
               </a:ext>
             </a:extLst>
           </p:cNvPr>
@@ -1396,7 +1396,7 @@
           <a:bodyPr/>
           <a:lstStyle/>
           <a:p>
-            <a:fld id="{E741313B-B851-4F45-A8E0-A8207718169F}" type="datetimeFigureOut">
+            <a:fld id="{E738BAFF-75BD-4346-983C-CF00D9644D0F}" type="datetimeFigureOut">
               <a:rPr lang="zh-CN" altLang="en-US" smtClean="0"/>
               <a:t>2024/3/10</a:t>
             </a:fld>
@@ -1409,7 +1409,7 @@
           <p:cNvPr id="6" name="页脚占位符 5">
             <a:extLst>
               <a:ext uri="{FF2B5EF4-FFF2-40B4-BE49-F238E27FC236}">
-                <a16:creationId xmlns:a16="http://schemas.microsoft.com/office/drawing/2014/main" id="{4324FED4-53A7-F202-ACA8-E2F6A9316A5A}"/>
+                <a16:creationId xmlns:a16="http://schemas.microsoft.com/office/drawing/2014/main" id="{5B43DBBD-E417-1661-7801-9771BF54F7F8}"/>
               </a:ext>
             </a:extLst>
           </p:cNvPr>
@@ -1434,7 +1434,7 @@
           <p:cNvPr id="7" name="灯片编号占位符 6">
             <a:extLst>
               <a:ext uri="{FF2B5EF4-FFF2-40B4-BE49-F238E27FC236}">
-                <a16:creationId xmlns:a16="http://schemas.microsoft.com/office/drawing/2014/main" id="{F4157C24-BE56-5A81-0C06-33F266B89A15}"/>
+                <a16:creationId xmlns:a16="http://schemas.microsoft.com/office/drawing/2014/main" id="{781B06F0-C7EC-9006-0351-208FCFB81D2C}"/>
               </a:ext>
             </a:extLst>
           </p:cNvPr>
@@ -1450,7 +1450,7 @@
           <a:bodyPr/>
           <a:lstStyle/>
           <a:p>
-            <a:fld id="{7CBE83AB-CC21-4030-8BF0-479816E52733}" type="slidenum">
+            <a:fld id="{077527C0-9782-48C9-BA11-37132430BF9A}" type="slidenum">
               <a:rPr lang="zh-CN" altLang="en-US" smtClean="0"/>
               <a:t>‹#›</a:t>
             </a:fld>
@@ -1461,7 +1461,7 @@
     </p:spTree>
     <p:extLst>
       <p:ext uri="{BB962C8B-B14F-4D97-AF65-F5344CB8AC3E}">
-        <p14:creationId xmlns:p14="http://schemas.microsoft.com/office/powerpoint/2010/main" val="2607378240"/>
+        <p14:creationId xmlns:p14="http://schemas.microsoft.com/office/powerpoint/2010/main" val="2908095758"/>
       </p:ext>
     </p:extLst>
   </p:cSld>
@@ -1493,7 +1493,7 @@
           <p:cNvPr id="2" name="标题 1">
             <a:extLst>
               <a:ext uri="{FF2B5EF4-FFF2-40B4-BE49-F238E27FC236}">
-                <a16:creationId xmlns:a16="http://schemas.microsoft.com/office/drawing/2014/main" id="{490A57A9-1AE6-07FF-3329-404E5ABC0408}"/>
+                <a16:creationId xmlns:a16="http://schemas.microsoft.com/office/drawing/2014/main" id="{0FDC7539-3490-BB65-88C5-18BE52156D80}"/>
               </a:ext>
             </a:extLst>
           </p:cNvPr>
@@ -1526,7 +1526,7 @@
           <p:cNvPr id="3" name="文本占位符 2">
             <a:extLst>
               <a:ext uri="{FF2B5EF4-FFF2-40B4-BE49-F238E27FC236}">
-                <a16:creationId xmlns:a16="http://schemas.microsoft.com/office/drawing/2014/main" id="{3209D528-C5CE-D99E-A026-22FF6C7CCDB8}"/>
+                <a16:creationId xmlns:a16="http://schemas.microsoft.com/office/drawing/2014/main" id="{C520EA88-38C1-5090-5FCC-F4C5B9523A94}"/>
               </a:ext>
             </a:extLst>
           </p:cNvPr>
@@ -1597,7 +1597,7 @@
           <p:cNvPr id="4" name="内容占位符 3">
             <a:extLst>
               <a:ext uri="{FF2B5EF4-FFF2-40B4-BE49-F238E27FC236}">
-                <a16:creationId xmlns:a16="http://schemas.microsoft.com/office/drawing/2014/main" id="{1AB0A93A-EC58-2CDF-6033-D8C2664C3A46}"/>
+                <a16:creationId xmlns:a16="http://schemas.microsoft.com/office/drawing/2014/main" id="{45D8A343-0148-B4DC-8B99-F0614B3A6799}"/>
               </a:ext>
             </a:extLst>
           </p:cNvPr>
@@ -1659,7 +1659,7 @@
           <p:cNvPr id="5" name="文本占位符 4">
             <a:extLst>
               <a:ext uri="{FF2B5EF4-FFF2-40B4-BE49-F238E27FC236}">
-                <a16:creationId xmlns:a16="http://schemas.microsoft.com/office/drawing/2014/main" id="{F547E048-3A38-1A69-C126-79C3A6232637}"/>
+                <a16:creationId xmlns:a16="http://schemas.microsoft.com/office/drawing/2014/main" id="{8C522AE3-1A72-FD59-A6E9-9AD578D1C52F}"/>
               </a:ext>
             </a:extLst>
           </p:cNvPr>
@@ -1730,7 +1730,7 @@
           <p:cNvPr id="6" name="内容占位符 5">
             <a:extLst>
               <a:ext uri="{FF2B5EF4-FFF2-40B4-BE49-F238E27FC236}">
-                <a16:creationId xmlns:a16="http://schemas.microsoft.com/office/drawing/2014/main" id="{4350A437-B1D2-6ADA-3641-01CC718B2B80}"/>
+                <a16:creationId xmlns:a16="http://schemas.microsoft.com/office/drawing/2014/main" id="{E5261A87-A1B4-9FFA-A27B-A4F6DFF4F2F5}"/>
               </a:ext>
             </a:extLst>
           </p:cNvPr>
@@ -1792,7 +1792,7 @@
           <p:cNvPr id="7" name="日期占位符 6">
             <a:extLst>
               <a:ext uri="{FF2B5EF4-FFF2-40B4-BE49-F238E27FC236}">
-                <a16:creationId xmlns:a16="http://schemas.microsoft.com/office/drawing/2014/main" id="{5E4A0274-6694-E225-F014-50559EABE3F6}"/>
+                <a16:creationId xmlns:a16="http://schemas.microsoft.com/office/drawing/2014/main" id="{EB9C1588-EAC0-6CC2-5443-79EC4F8F0763}"/>
               </a:ext>
             </a:extLst>
           </p:cNvPr>
@@ -1808,7 +1808,7 @@
           <a:bodyPr/>
           <a:lstStyle/>
           <a:p>
-            <a:fld id="{E741313B-B851-4F45-A8E0-A8207718169F}" type="datetimeFigureOut">
+            <a:fld id="{E738BAFF-75BD-4346-983C-CF00D9644D0F}" type="datetimeFigureOut">
               <a:rPr lang="zh-CN" altLang="en-US" smtClean="0"/>
               <a:t>2024/3/10</a:t>
             </a:fld>
@@ -1821,7 +1821,7 @@
           <p:cNvPr id="8" name="页脚占位符 7">
             <a:extLst>
               <a:ext uri="{FF2B5EF4-FFF2-40B4-BE49-F238E27FC236}">
-                <a16:creationId xmlns:a16="http://schemas.microsoft.com/office/drawing/2014/main" id="{D8AB2755-A0E4-0756-31F1-A1AB5671ACCD}"/>
+                <a16:creationId xmlns:a16="http://schemas.microsoft.com/office/drawing/2014/main" id="{D1A1051C-3395-8A2E-946C-1359C401D1A5}"/>
               </a:ext>
             </a:extLst>
           </p:cNvPr>
@@ -1846,7 +1846,7 @@
           <p:cNvPr id="9" name="灯片编号占位符 8">
             <a:extLst>
               <a:ext uri="{FF2B5EF4-FFF2-40B4-BE49-F238E27FC236}">
-                <a16:creationId xmlns:a16="http://schemas.microsoft.com/office/drawing/2014/main" id="{D06CFE8A-A8C6-D22B-6E6F-D025AF61B445}"/>
+                <a16:creationId xmlns:a16="http://schemas.microsoft.com/office/drawing/2014/main" id="{A073EA89-286A-E838-18A9-D5D480E92759}"/>
               </a:ext>
             </a:extLst>
           </p:cNvPr>
@@ -1862,7 +1862,7 @@
           <a:bodyPr/>
           <a:lstStyle/>
           <a:p>
-            <a:fld id="{7CBE83AB-CC21-4030-8BF0-479816E52733}" type="slidenum">
+            <a:fld id="{077527C0-9782-48C9-BA11-37132430BF9A}" type="slidenum">
               <a:rPr lang="zh-CN" altLang="en-US" smtClean="0"/>
               <a:t>‹#›</a:t>
             </a:fld>
@@ -1873,7 +1873,7 @@
     </p:spTree>
     <p:extLst>
       <p:ext uri="{BB962C8B-B14F-4D97-AF65-F5344CB8AC3E}">
-        <p14:creationId xmlns:p14="http://schemas.microsoft.com/office/powerpoint/2010/main" val="2942848081"/>
+        <p14:creationId xmlns:p14="http://schemas.microsoft.com/office/powerpoint/2010/main" val="2684671929"/>
       </p:ext>
     </p:extLst>
   </p:cSld>
@@ -1905,7 +1905,7 @@
           <p:cNvPr id="2" name="标题 1">
             <a:extLst>
               <a:ext uri="{FF2B5EF4-FFF2-40B4-BE49-F238E27FC236}">
-                <a16:creationId xmlns:a16="http://schemas.microsoft.com/office/drawing/2014/main" id="{C5A98E7A-8BA1-88BC-ACC7-31A80E3A85D8}"/>
+                <a16:creationId xmlns:a16="http://schemas.microsoft.com/office/drawing/2014/main" id="{A0C59F2F-D0C9-76A7-B07F-17EBB0D598C7}"/>
               </a:ext>
             </a:extLst>
           </p:cNvPr>
@@ -1933,7 +1933,7 @@
           <p:cNvPr id="3" name="日期占位符 2">
             <a:extLst>
               <a:ext uri="{FF2B5EF4-FFF2-40B4-BE49-F238E27FC236}">
-                <a16:creationId xmlns:a16="http://schemas.microsoft.com/office/drawing/2014/main" id="{A6CD231C-6DEE-FA66-674C-208EADA4CC5A}"/>
+                <a16:creationId xmlns:a16="http://schemas.microsoft.com/office/drawing/2014/main" id="{57B1A9EC-B009-32C5-195B-02376F4FC9A2}"/>
               </a:ext>
             </a:extLst>
           </p:cNvPr>
@@ -1949,7 +1949,7 @@
           <a:bodyPr/>
           <a:lstStyle/>
           <a:p>
-            <a:fld id="{E741313B-B851-4F45-A8E0-A8207718169F}" type="datetimeFigureOut">
+            <a:fld id="{E738BAFF-75BD-4346-983C-CF00D9644D0F}" type="datetimeFigureOut">
               <a:rPr lang="zh-CN" altLang="en-US" smtClean="0"/>
               <a:t>2024/3/10</a:t>
             </a:fld>
@@ -1962,7 +1962,7 @@
           <p:cNvPr id="4" name="页脚占位符 3">
             <a:extLst>
               <a:ext uri="{FF2B5EF4-FFF2-40B4-BE49-F238E27FC236}">
-                <a16:creationId xmlns:a16="http://schemas.microsoft.com/office/drawing/2014/main" id="{49732A2E-5A32-8189-DF4F-B472F26A53C6}"/>
+                <a16:creationId xmlns:a16="http://schemas.microsoft.com/office/drawing/2014/main" id="{FDF84C04-9622-756C-207A-2F6FFCCA438B}"/>
               </a:ext>
             </a:extLst>
           </p:cNvPr>
@@ -1987,7 +1987,7 @@
           <p:cNvPr id="5" name="灯片编号占位符 4">
             <a:extLst>
               <a:ext uri="{FF2B5EF4-FFF2-40B4-BE49-F238E27FC236}">
-                <a16:creationId xmlns:a16="http://schemas.microsoft.com/office/drawing/2014/main" id="{95FC5A14-4CA0-4418-5659-2A594F4EC97E}"/>
+                <a16:creationId xmlns:a16="http://schemas.microsoft.com/office/drawing/2014/main" id="{AF2D3222-9EFC-AB22-363F-5C4A8E83A77D}"/>
               </a:ext>
             </a:extLst>
           </p:cNvPr>
@@ -2003,7 +2003,7 @@
           <a:bodyPr/>
           <a:lstStyle/>
           <a:p>
-            <a:fld id="{7CBE83AB-CC21-4030-8BF0-479816E52733}" type="slidenum">
+            <a:fld id="{077527C0-9782-48C9-BA11-37132430BF9A}" type="slidenum">
               <a:rPr lang="zh-CN" altLang="en-US" smtClean="0"/>
               <a:t>‹#›</a:t>
             </a:fld>
@@ -2014,7 +2014,7 @@
     </p:spTree>
     <p:extLst>
       <p:ext uri="{BB962C8B-B14F-4D97-AF65-F5344CB8AC3E}">
-        <p14:creationId xmlns:p14="http://schemas.microsoft.com/office/powerpoint/2010/main" val="4155810404"/>
+        <p14:creationId xmlns:p14="http://schemas.microsoft.com/office/powerpoint/2010/main" val="3688333094"/>
       </p:ext>
     </p:extLst>
   </p:cSld>
@@ -2046,7 +2046,7 @@
           <p:cNvPr id="2" name="日期占位符 1">
             <a:extLst>
               <a:ext uri="{FF2B5EF4-FFF2-40B4-BE49-F238E27FC236}">
-                <a16:creationId xmlns:a16="http://schemas.microsoft.com/office/drawing/2014/main" id="{0DA3DA8A-C15E-4792-85CD-098A76A3A8FF}"/>
+                <a16:creationId xmlns:a16="http://schemas.microsoft.com/office/drawing/2014/main" id="{4440D93F-B0DE-8084-2F6B-B7C888548558}"/>
               </a:ext>
             </a:extLst>
           </p:cNvPr>
@@ -2062,7 +2062,7 @@
           <a:bodyPr/>
           <a:lstStyle/>
           <a:p>
-            <a:fld id="{E741313B-B851-4F45-A8E0-A8207718169F}" type="datetimeFigureOut">
+            <a:fld id="{E738BAFF-75BD-4346-983C-CF00D9644D0F}" type="datetimeFigureOut">
               <a:rPr lang="zh-CN" altLang="en-US" smtClean="0"/>
               <a:t>2024/3/10</a:t>
             </a:fld>
@@ -2075,7 +2075,7 @@
           <p:cNvPr id="3" name="页脚占位符 2">
             <a:extLst>
               <a:ext uri="{FF2B5EF4-FFF2-40B4-BE49-F238E27FC236}">
-                <a16:creationId xmlns:a16="http://schemas.microsoft.com/office/drawing/2014/main" id="{B5C547E3-C18D-B408-9368-A817E6DA34C0}"/>
+                <a16:creationId xmlns:a16="http://schemas.microsoft.com/office/drawing/2014/main" id="{6982F490-4720-349F-7005-43F23BBFBC4E}"/>
               </a:ext>
             </a:extLst>
           </p:cNvPr>
@@ -2100,7 +2100,7 @@
           <p:cNvPr id="4" name="灯片编号占位符 3">
             <a:extLst>
               <a:ext uri="{FF2B5EF4-FFF2-40B4-BE49-F238E27FC236}">
-                <a16:creationId xmlns:a16="http://schemas.microsoft.com/office/drawing/2014/main" id="{4F9D3763-636C-AC4E-79CD-11205F0C52F5}"/>
+                <a16:creationId xmlns:a16="http://schemas.microsoft.com/office/drawing/2014/main" id="{B90D4707-EEF8-AA63-C26D-CEF3696100F8}"/>
               </a:ext>
             </a:extLst>
           </p:cNvPr>
@@ -2116,7 +2116,7 @@
           <a:bodyPr/>
           <a:lstStyle/>
           <a:p>
-            <a:fld id="{7CBE83AB-CC21-4030-8BF0-479816E52733}" type="slidenum">
+            <a:fld id="{077527C0-9782-48C9-BA11-37132430BF9A}" type="slidenum">
               <a:rPr lang="zh-CN" altLang="en-US" smtClean="0"/>
               <a:t>‹#›</a:t>
             </a:fld>
@@ -2127,7 +2127,7 @@
     </p:spTree>
     <p:extLst>
       <p:ext uri="{BB962C8B-B14F-4D97-AF65-F5344CB8AC3E}">
-        <p14:creationId xmlns:p14="http://schemas.microsoft.com/office/powerpoint/2010/main" val="2912111199"/>
+        <p14:creationId xmlns:p14="http://schemas.microsoft.com/office/powerpoint/2010/main" val="3188162320"/>
       </p:ext>
     </p:extLst>
   </p:cSld>
@@ -2159,7 +2159,7 @@
           <p:cNvPr id="2" name="标题 1">
             <a:extLst>
               <a:ext uri="{FF2B5EF4-FFF2-40B4-BE49-F238E27FC236}">
-                <a16:creationId xmlns:a16="http://schemas.microsoft.com/office/drawing/2014/main" id="{E2A293C3-FF07-3286-BEF3-FDA71CE29DB4}"/>
+                <a16:creationId xmlns:a16="http://schemas.microsoft.com/office/drawing/2014/main" id="{7BDBC90E-EF3E-29CC-7D67-FC9DB5FC8B8F}"/>
               </a:ext>
             </a:extLst>
           </p:cNvPr>
@@ -2196,7 +2196,7 @@
           <p:cNvPr id="3" name="内容占位符 2">
             <a:extLst>
               <a:ext uri="{FF2B5EF4-FFF2-40B4-BE49-F238E27FC236}">
-                <a16:creationId xmlns:a16="http://schemas.microsoft.com/office/drawing/2014/main" id="{B1CF76C7-34B5-4448-08DB-A628ED846B81}"/>
+                <a16:creationId xmlns:a16="http://schemas.microsoft.com/office/drawing/2014/main" id="{DC51089D-B5FD-0E78-4244-758BF7FCC15C}"/>
               </a:ext>
             </a:extLst>
           </p:cNvPr>
@@ -2286,7 +2286,7 @@
           <p:cNvPr id="4" name="文本占位符 3">
             <a:extLst>
               <a:ext uri="{FF2B5EF4-FFF2-40B4-BE49-F238E27FC236}">
-                <a16:creationId xmlns:a16="http://schemas.microsoft.com/office/drawing/2014/main" id="{F1101B42-4005-DAA5-5717-55288EB95556}"/>
+                <a16:creationId xmlns:a16="http://schemas.microsoft.com/office/drawing/2014/main" id="{C4AF56F5-CFCC-CE9F-B681-5C104E2D02BC}"/>
               </a:ext>
             </a:extLst>
           </p:cNvPr>
@@ -2357,7 +2357,7 @@
           <p:cNvPr id="5" name="日期占位符 4">
             <a:extLst>
               <a:ext uri="{FF2B5EF4-FFF2-40B4-BE49-F238E27FC236}">
-                <a16:creationId xmlns:a16="http://schemas.microsoft.com/office/drawing/2014/main" id="{41A3304A-07B3-1C2C-C7C9-D532A0252869}"/>
+                <a16:creationId xmlns:a16="http://schemas.microsoft.com/office/drawing/2014/main" id="{84558E4D-7F7D-735D-B735-307331219BCA}"/>
               </a:ext>
             </a:extLst>
           </p:cNvPr>
@@ -2373,7 +2373,7 @@
           <a:bodyPr/>
           <a:lstStyle/>
           <a:p>
-            <a:fld id="{E741313B-B851-4F45-A8E0-A8207718169F}" type="datetimeFigureOut">
+            <a:fld id="{E738BAFF-75BD-4346-983C-CF00D9644D0F}" type="datetimeFigureOut">
               <a:rPr lang="zh-CN" altLang="en-US" smtClean="0"/>
               <a:t>2024/3/10</a:t>
             </a:fld>
@@ -2386,7 +2386,7 @@
           <p:cNvPr id="6" name="页脚占位符 5">
             <a:extLst>
               <a:ext uri="{FF2B5EF4-FFF2-40B4-BE49-F238E27FC236}">
-                <a16:creationId xmlns:a16="http://schemas.microsoft.com/office/drawing/2014/main" id="{3EBAC835-BCD8-446B-A10C-093710B8DC34}"/>
+                <a16:creationId xmlns:a16="http://schemas.microsoft.com/office/drawing/2014/main" id="{BC0AC8C4-0461-7BB5-A3C4-C89D51F1D9D3}"/>
               </a:ext>
             </a:extLst>
           </p:cNvPr>
@@ -2411,7 +2411,7 @@
           <p:cNvPr id="7" name="灯片编号占位符 6">
             <a:extLst>
               <a:ext uri="{FF2B5EF4-FFF2-40B4-BE49-F238E27FC236}">
-                <a16:creationId xmlns:a16="http://schemas.microsoft.com/office/drawing/2014/main" id="{39E042CC-1E48-060D-B6EB-87C29682166D}"/>
+                <a16:creationId xmlns:a16="http://schemas.microsoft.com/office/drawing/2014/main" id="{6877D6B1-EFF6-31BC-D19D-457C5CF3D2CF}"/>
               </a:ext>
             </a:extLst>
           </p:cNvPr>
@@ -2427,7 +2427,7 @@
           <a:bodyPr/>
           <a:lstStyle/>
           <a:p>
-            <a:fld id="{7CBE83AB-CC21-4030-8BF0-479816E52733}" type="slidenum">
+            <a:fld id="{077527C0-9782-48C9-BA11-37132430BF9A}" type="slidenum">
               <a:rPr lang="zh-CN" altLang="en-US" smtClean="0"/>
               <a:t>‹#›</a:t>
             </a:fld>
@@ -2438,7 +2438,7 @@
     </p:spTree>
     <p:extLst>
       <p:ext uri="{BB962C8B-B14F-4D97-AF65-F5344CB8AC3E}">
-        <p14:creationId xmlns:p14="http://schemas.microsoft.com/office/powerpoint/2010/main" val="1104025096"/>
+        <p14:creationId xmlns:p14="http://schemas.microsoft.com/office/powerpoint/2010/main" val="1927073406"/>
       </p:ext>
     </p:extLst>
   </p:cSld>
@@ -2470,7 +2470,7 @@
           <p:cNvPr id="2" name="标题 1">
             <a:extLst>
               <a:ext uri="{FF2B5EF4-FFF2-40B4-BE49-F238E27FC236}">
-                <a16:creationId xmlns:a16="http://schemas.microsoft.com/office/drawing/2014/main" id="{1DA1EF29-A2B0-298F-6F61-66B975E8C2C2}"/>
+                <a16:creationId xmlns:a16="http://schemas.microsoft.com/office/drawing/2014/main" id="{42261B32-E99F-65A8-B6DA-488ABE5AB1EB}"/>
               </a:ext>
             </a:extLst>
           </p:cNvPr>
@@ -2507,7 +2507,7 @@
           <p:cNvPr id="3" name="图片占位符 2">
             <a:extLst>
               <a:ext uri="{FF2B5EF4-FFF2-40B4-BE49-F238E27FC236}">
-                <a16:creationId xmlns:a16="http://schemas.microsoft.com/office/drawing/2014/main" id="{2DFEFB18-0B7F-E06C-086B-E4A78C13553B}"/>
+                <a16:creationId xmlns:a16="http://schemas.microsoft.com/office/drawing/2014/main" id="{17813CB5-7231-F9C1-E84B-7A6FE2DCA771}"/>
               </a:ext>
             </a:extLst>
           </p:cNvPr>
@@ -2574,7 +2574,7 @@
           <p:cNvPr id="4" name="文本占位符 3">
             <a:extLst>
               <a:ext uri="{FF2B5EF4-FFF2-40B4-BE49-F238E27FC236}">
-                <a16:creationId xmlns:a16="http://schemas.microsoft.com/office/drawing/2014/main" id="{0394D838-D553-0AF0-5F98-BFC58EF79174}"/>
+                <a16:creationId xmlns:a16="http://schemas.microsoft.com/office/drawing/2014/main" id="{075B618C-DC77-C06B-E271-46F0E316E8C0}"/>
               </a:ext>
             </a:extLst>
           </p:cNvPr>
@@ -2645,7 +2645,7 @@
           <p:cNvPr id="5" name="日期占位符 4">
             <a:extLst>
               <a:ext uri="{FF2B5EF4-FFF2-40B4-BE49-F238E27FC236}">
-                <a16:creationId xmlns:a16="http://schemas.microsoft.com/office/drawing/2014/main" id="{AF10844B-B18A-BE5A-26F5-CE9BCE6DE28F}"/>
+                <a16:creationId xmlns:a16="http://schemas.microsoft.com/office/drawing/2014/main" id="{5BD7A8DA-9939-A3A8-3171-DFEA48B16369}"/>
               </a:ext>
             </a:extLst>
           </p:cNvPr>
@@ -2661,7 +2661,7 @@
           <a:bodyPr/>
           <a:lstStyle/>
           <a:p>
-            <a:fld id="{E741313B-B851-4F45-A8E0-A8207718169F}" type="datetimeFigureOut">
+            <a:fld id="{E738BAFF-75BD-4346-983C-CF00D9644D0F}" type="datetimeFigureOut">
               <a:rPr lang="zh-CN" altLang="en-US" smtClean="0"/>
               <a:t>2024/3/10</a:t>
             </a:fld>
@@ -2674,7 +2674,7 @@
           <p:cNvPr id="6" name="页脚占位符 5">
             <a:extLst>
               <a:ext uri="{FF2B5EF4-FFF2-40B4-BE49-F238E27FC236}">
-                <a16:creationId xmlns:a16="http://schemas.microsoft.com/office/drawing/2014/main" id="{43BAC71F-ACCB-7BBA-36DD-2F09DAF0D965}"/>
+                <a16:creationId xmlns:a16="http://schemas.microsoft.com/office/drawing/2014/main" id="{3FB00449-70B2-61F8-0D9A-C9CC0688A643}"/>
               </a:ext>
             </a:extLst>
           </p:cNvPr>
@@ -2699,7 +2699,7 @@
           <p:cNvPr id="7" name="灯片编号占位符 6">
             <a:extLst>
               <a:ext uri="{FF2B5EF4-FFF2-40B4-BE49-F238E27FC236}">
-                <a16:creationId xmlns:a16="http://schemas.microsoft.com/office/drawing/2014/main" id="{413A8E2B-292F-4560-E7DA-B8F484E65058}"/>
+                <a16:creationId xmlns:a16="http://schemas.microsoft.com/office/drawing/2014/main" id="{5E46829D-2628-FFB2-4A67-29C0DB5F4D07}"/>
               </a:ext>
             </a:extLst>
           </p:cNvPr>
@@ -2715,7 +2715,7 @@
           <a:bodyPr/>
           <a:lstStyle/>
           <a:p>
-            <a:fld id="{7CBE83AB-CC21-4030-8BF0-479816E52733}" type="slidenum">
+            <a:fld id="{077527C0-9782-48C9-BA11-37132430BF9A}" type="slidenum">
               <a:rPr lang="zh-CN" altLang="en-US" smtClean="0"/>
               <a:t>‹#›</a:t>
             </a:fld>
@@ -2726,7 +2726,7 @@
     </p:spTree>
     <p:extLst>
       <p:ext uri="{BB962C8B-B14F-4D97-AF65-F5344CB8AC3E}">
-        <p14:creationId xmlns:p14="http://schemas.microsoft.com/office/powerpoint/2010/main" val="2846994906"/>
+        <p14:creationId xmlns:p14="http://schemas.microsoft.com/office/powerpoint/2010/main" val="2044601924"/>
       </p:ext>
     </p:extLst>
   </p:cSld>
@@ -2763,7 +2763,7 @@
           <p:cNvPr id="2" name="标题占位符 1">
             <a:extLst>
               <a:ext uri="{FF2B5EF4-FFF2-40B4-BE49-F238E27FC236}">
-                <a16:creationId xmlns:a16="http://schemas.microsoft.com/office/drawing/2014/main" id="{7077F823-83C6-89AC-DB71-9974E6547208}"/>
+                <a16:creationId xmlns:a16="http://schemas.microsoft.com/office/drawing/2014/main" id="{053AC113-3060-287F-E23D-868F9E45CA12}"/>
               </a:ext>
             </a:extLst>
           </p:cNvPr>
@@ -2801,7 +2801,7 @@
           <p:cNvPr id="3" name="文本占位符 2">
             <a:extLst>
               <a:ext uri="{FF2B5EF4-FFF2-40B4-BE49-F238E27FC236}">
-                <a16:creationId xmlns:a16="http://schemas.microsoft.com/office/drawing/2014/main" id="{CF18F4FE-5152-A36E-055F-F3DA94E361A9}"/>
+                <a16:creationId xmlns:a16="http://schemas.microsoft.com/office/drawing/2014/main" id="{99CC6FD1-1BA5-61F3-0A97-9D7624934075}"/>
               </a:ext>
             </a:extLst>
           </p:cNvPr>
@@ -2868,7 +2868,7 @@
           <p:cNvPr id="4" name="日期占位符 3">
             <a:extLst>
               <a:ext uri="{FF2B5EF4-FFF2-40B4-BE49-F238E27FC236}">
-                <a16:creationId xmlns:a16="http://schemas.microsoft.com/office/drawing/2014/main" id="{BD0D8A31-8CC8-2250-5B79-F42DBC0F19B1}"/>
+                <a16:creationId xmlns:a16="http://schemas.microsoft.com/office/drawing/2014/main" id="{79DC7C15-5761-7B4C-2F4B-213BCED2A4CD}"/>
               </a:ext>
             </a:extLst>
           </p:cNvPr>
@@ -2902,7 +2902,7 @@
             </a:lvl1pPr>
           </a:lstStyle>
           <a:p>
-            <a:fld id="{E741313B-B851-4F45-A8E0-A8207718169F}" type="datetimeFigureOut">
+            <a:fld id="{E738BAFF-75BD-4346-983C-CF00D9644D0F}" type="datetimeFigureOut">
               <a:rPr lang="zh-CN" altLang="en-US" smtClean="0"/>
               <a:t>2024/3/10</a:t>
             </a:fld>
@@ -2915,7 +2915,7 @@
           <p:cNvPr id="5" name="页脚占位符 4">
             <a:extLst>
               <a:ext uri="{FF2B5EF4-FFF2-40B4-BE49-F238E27FC236}">
-                <a16:creationId xmlns:a16="http://schemas.microsoft.com/office/drawing/2014/main" id="{D69A20BF-6CEF-E17C-91A1-EFAB6FD04B5D}"/>
+                <a16:creationId xmlns:a16="http://schemas.microsoft.com/office/drawing/2014/main" id="{98EBCB7E-E90A-0DA2-2821-7F71039E9ED2}"/>
               </a:ext>
             </a:extLst>
           </p:cNvPr>
@@ -2958,7 +2958,7 @@
           <p:cNvPr id="6" name="灯片编号占位符 5">
             <a:extLst>
               <a:ext uri="{FF2B5EF4-FFF2-40B4-BE49-F238E27FC236}">
-                <a16:creationId xmlns:a16="http://schemas.microsoft.com/office/drawing/2014/main" id="{77D015A2-7A56-833C-787A-E893E9129DB1}"/>
+                <a16:creationId xmlns:a16="http://schemas.microsoft.com/office/drawing/2014/main" id="{B2671E3F-2925-4DD6-8861-8FCA6D073ED1}"/>
               </a:ext>
             </a:extLst>
           </p:cNvPr>
@@ -2992,7 +2992,7 @@
             </a:lvl1pPr>
           </a:lstStyle>
           <a:p>
-            <a:fld id="{7CBE83AB-CC21-4030-8BF0-479816E52733}" type="slidenum">
+            <a:fld id="{077527C0-9782-48C9-BA11-37132430BF9A}" type="slidenum">
               <a:rPr lang="zh-CN" altLang="en-US" smtClean="0"/>
               <a:t>‹#›</a:t>
             </a:fld>
@@ -3003,7 +3003,7 @@
     </p:spTree>
     <p:extLst>
       <p:ext uri="{BB962C8B-B14F-4D97-AF65-F5344CB8AC3E}">
-        <p14:creationId xmlns:p14="http://schemas.microsoft.com/office/powerpoint/2010/main" val="2581002385"/>
+        <p14:creationId xmlns:p14="http://schemas.microsoft.com/office/powerpoint/2010/main" val="1326967945"/>
       </p:ext>
     </p:extLst>
   </p:cSld>
